--- a/Assets/presentation/Group 4 Project 1 Presentation (PPT).pptx
+++ b/Assets/presentation/Group 4 Project 1 Presentation (PPT).pptx
@@ -9605,7 +9605,7 @@
                   <a:srgbClr val="666666"/>
                 </a:solidFill>
               </a:rPr>
-              <a:t>Remember what is project MVP</a:t>
+              <a:t>Remember what makes the project MVP</a:t>
             </a:r>
             <a:endParaRPr>
               <a:solidFill>
@@ -9655,7 +9655,7 @@
                   <a:srgbClr val="666666"/>
                 </a:solidFill>
               </a:rPr>
-              <a:t>Stick to what is feasible to complete  in 2 weeks</a:t>
+              <a:t>Stick to what is feasible to complete in the given timeframe</a:t>
             </a:r>
             <a:endParaRPr>
               <a:solidFill>
@@ -9714,6 +9714,25 @@
             </a:endParaRPr>
           </a:p>
           <a:p>
+            <a:pPr marL="457200" lvl="0" indent="0" algn="l" rtl="0">
+              <a:lnSpc>
+                <a:spcPct val="100000"/>
+              </a:lnSpc>
+              <a:spcBef>
+                <a:spcPts val="0"/>
+              </a:spcBef>
+              <a:spcAft>
+                <a:spcPts val="0"/>
+              </a:spcAft>
+              <a:buNone/>
+            </a:pPr>
+            <a:endParaRPr>
+              <a:solidFill>
+                <a:srgbClr val="666666"/>
+              </a:solidFill>
+            </a:endParaRPr>
+          </a:p>
+          <a:p>
             <a:pPr marL="914400" lvl="1" indent="-317500" algn="l" rtl="0">
               <a:spcBef>
                 <a:spcPts val="0"/>
@@ -9722,7 +9741,7 @@
                 <a:spcPts val="0"/>
               </a:spcAft>
               <a:buClr>
-                <a:srgbClr val="999999"/>
+                <a:srgbClr val="666666"/>
               </a:buClr>
               <a:buSzPts val="1400"/>
               <a:buChar char="○"/>
@@ -9730,14 +9749,14 @@
             <a:r>
               <a:rPr lang="en">
                 <a:solidFill>
-                  <a:srgbClr val="999999"/>
+                  <a:srgbClr val="666666"/>
                 </a:solidFill>
               </a:rPr>
               <a:t>Start API research early</a:t>
             </a:r>
             <a:endParaRPr>
               <a:solidFill>
-                <a:srgbClr val="999999"/>
+                <a:srgbClr val="666666"/>
               </a:solidFill>
             </a:endParaRPr>
           </a:p>
@@ -9750,7 +9769,7 @@
                 <a:spcPts val="0"/>
               </a:spcAft>
               <a:buClr>
-                <a:srgbClr val="999999"/>
+                <a:srgbClr val="666666"/>
               </a:buClr>
               <a:buSzPts val="1400"/>
               <a:buChar char="○"/>
@@ -9758,14 +9777,14 @@
             <a:r>
               <a:rPr lang="en">
                 <a:solidFill>
-                  <a:srgbClr val="999999"/>
+                  <a:srgbClr val="666666"/>
                 </a:solidFill>
               </a:rPr>
               <a:t>Make sure everyone knows how to use API documentation</a:t>
             </a:r>
             <a:endParaRPr>
               <a:solidFill>
-                <a:srgbClr val="999999"/>
+                <a:srgbClr val="666666"/>
               </a:solidFill>
             </a:endParaRPr>
           </a:p>
@@ -9778,7 +9797,7 @@
                 <a:spcPts val="0"/>
               </a:spcAft>
               <a:buClr>
-                <a:srgbClr val="999999"/>
+                <a:srgbClr val="666666"/>
               </a:buClr>
               <a:buSzPts val="1400"/>
               <a:buChar char="○"/>
@@ -9786,14 +9805,14 @@
             <a:r>
               <a:rPr lang="en">
                 <a:solidFill>
-                  <a:srgbClr val="999999"/>
+                  <a:srgbClr val="666666"/>
                 </a:solidFill>
               </a:rPr>
               <a:t>Avoid API with quota limits if possible</a:t>
             </a:r>
             <a:endParaRPr>
               <a:solidFill>
-                <a:srgbClr val="999999"/>
+                <a:srgbClr val="666666"/>
               </a:solidFill>
             </a:endParaRPr>
           </a:p>
@@ -9806,7 +9825,7 @@
                 <a:spcPts val="0"/>
               </a:spcAft>
               <a:buClr>
-                <a:srgbClr val="999999"/>
+                <a:srgbClr val="666666"/>
               </a:buClr>
               <a:buSzPts val="1400"/>
               <a:buChar char="○"/>
@@ -9814,14 +9833,14 @@
             <a:r>
               <a:rPr lang="en">
                 <a:solidFill>
-                  <a:srgbClr val="999999"/>
+                  <a:srgbClr val="666666"/>
                 </a:solidFill>
               </a:rPr>
               <a:t>Data accuracy is dependent on the data stored in the API</a:t>
             </a:r>
             <a:endParaRPr>
               <a:solidFill>
-                <a:srgbClr val="999999"/>
+                <a:srgbClr val="666666"/>
               </a:solidFill>
             </a:endParaRPr>
           </a:p>
